--- a/templates/ppt_template/split_presentations_248.pptx
+++ b/templates/ppt_template/split_presentations_248.pptx
@@ -800,7 +800,7 @@
           <a:graphicData uri="http://schemas.openxmlformats.org/presentationml/2006/ole">
             <mc:AlternateContent xmlns:mc="http://schemas.openxmlformats.org/markup-compatibility/2006">
               <mc:Choice xmlns:v="urn:schemas-microsoft-com:vml" Requires="v">
-                <p:oleObj spid="_x0000_s261127" name="think-cell 幻灯片" r:id="rId4" imgW="349" imgH="350" progId="TCLayout.ActiveDocument.1">
+                <p:oleObj spid="_x0000_s261136" name="think-cell 幻灯片" r:id="rId4" imgW="349" imgH="350" progId="TCLayout.ActiveDocument.1">
                   <p:embed/>
                 </p:oleObj>
               </mc:Choice>
@@ -950,7 +950,7 @@
           <a:graphicData uri="http://schemas.openxmlformats.org/presentationml/2006/ole">
             <mc:AlternateContent xmlns:mc="http://schemas.openxmlformats.org/markup-compatibility/2006">
               <mc:Choice xmlns:v="urn:schemas-microsoft-com:vml" Requires="v">
-                <p:oleObj spid="_x0000_s259079" name="think-cell 幻灯片" r:id="rId10" imgW="270" imgH="270" progId="TCLayout.ActiveDocument.1">
+                <p:oleObj spid="_x0000_s259088" name="think-cell 幻灯片" r:id="rId10" imgW="270" imgH="270" progId="TCLayout.ActiveDocument.1">
                   <p:embed/>
                 </p:oleObj>
               </mc:Choice>
@@ -3300,7 +3300,7 @@
           <a:graphicData uri="http://schemas.openxmlformats.org/presentationml/2006/ole">
             <mc:AlternateContent xmlns:mc="http://schemas.openxmlformats.org/markup-compatibility/2006">
               <mc:Choice xmlns:v="urn:schemas-microsoft-com:vml" Requires="v">
-                <p:oleObj spid="_x0000_s256007" name="think-cell 幻灯片" r:id="rId5" imgW="349" imgH="350" progId="TCLayout.ActiveDocument.1">
+                <p:oleObj spid="_x0000_s256016" name="think-cell 幻灯片" r:id="rId5" imgW="349" imgH="350" progId="TCLayout.ActiveDocument.1">
                   <p:embed/>
                 </p:oleObj>
               </mc:Choice>
